--- a/docs/PtMassFDM/DoF2/Examples/ExampleAircrafts/AGM84_ex02/makeFigs.pptx
+++ b/docs/PtMassFDM/DoF2/Examples/ExampleAircrafts/AGM84_ex02/makeFigs.pptx
@@ -109,6 +109,11 @@
       </a:defRPr>
     </a:lvl9pPr>
   </p:defaultTextStyle>
+  <p:extLst>
+    <p:ext uri="{EFAFB233-063F-42B5-8137-9DF3F51BA10A}">
+      <p15:sldGuideLst xmlns:p15="http://schemas.microsoft.com/office/powerpoint/2012/main"/>
+    </p:ext>
+  </p:extLst>
 </p:presentation>
 </file>
 
@@ -3510,7 +3515,7 @@
                 </a:solidFill>
                 <a:latin typeface="游ゴシック"/>
               </a:rPr>
-              <a:t>10/26/2021</a:t>
+              <a:t>10/27/2021</a:t>
             </a:fld>
             <a:endParaRPr lang="en-US" sz="1200" b="0" strike="noStrike" spc="-1">
               <a:latin typeface="Times New Roman"/>
@@ -3956,7 +3961,7 @@
                 </a:solidFill>
                 <a:latin typeface="游ゴシック"/>
               </a:rPr>
-              <a:t>10/26/2021</a:t>
+              <a:t>10/27/2021</a:t>
             </a:fld>
             <a:endParaRPr lang="en-US" sz="1200" b="0" strike="noStrike" spc="-1">
               <a:latin typeface="Times New Roman"/>
@@ -7890,8 +7895,8 @@
         </p:nvSpPr>
         <p:spPr>
           <a:xfrm>
-            <a:off x="2057912" y="3043913"/>
-            <a:ext cx="1766665" cy="249706"/>
+            <a:off x="1853168" y="2855231"/>
+            <a:ext cx="2096643" cy="475895"/>
           </a:xfrm>
           <a:prstGeom prst="rect">
             <a:avLst/>
@@ -7915,15 +7920,507 @@
           <a:lstStyle/>
           <a:p>
             <a:r>
-              <a:rPr lang="en-US" altLang="ja-JP" sz="1000" dirty="0">
+              <a:rPr lang="en-US" altLang="ja-JP" sz="900" dirty="0">
                 <a:latin typeface="Arial" panose="020B0604020202020204" pitchFamily="34" charset="0"/>
                 <a:cs typeface="Arial" panose="020B0604020202020204" pitchFamily="34" charset="0"/>
               </a:rPr>
-              <a:t>Control law of engine thrust</a:t>
+              <a:t>Control law of tangential force (thrust)</a:t>
             </a:r>
           </a:p>
-        </p:txBody>
-      </p:sp>
+          <a:p>
+            <a:r>
+              <a:rPr lang="en-US" altLang="ja-JP" sz="900" dirty="0">
+                <a:latin typeface="Arial" panose="020B0604020202020204" pitchFamily="34" charset="0"/>
+                <a:cs typeface="Arial" panose="020B0604020202020204" pitchFamily="34" charset="0"/>
+              </a:rPr>
+              <a:t>-. Target: flight Mach number</a:t>
+            </a:r>
+          </a:p>
+          <a:p>
+            <a:r>
+              <a:rPr lang="en-US" altLang="ja-JP" sz="900" dirty="0">
+                <a:latin typeface="Arial" panose="020B0604020202020204" pitchFamily="34" charset="0"/>
+                <a:cs typeface="Arial" panose="020B0604020202020204" pitchFamily="34" charset="0"/>
+              </a:rPr>
+              <a:t>-. Actuated: tangential force</a:t>
+            </a:r>
+          </a:p>
+        </p:txBody>
+      </p:sp>
+      <p:sp>
+        <p:nvSpPr>
+          <p:cNvPr id="6" name="テキスト ボックス 5">
+            <a:extLst>
+              <a:ext uri="{FF2B5EF4-FFF2-40B4-BE49-F238E27FC236}">
+                <a16:creationId xmlns:a16="http://schemas.microsoft.com/office/drawing/2014/main" id="{90E3FE3C-0D64-4E33-8CA0-0D1FAE8158AC}"/>
+              </a:ext>
+            </a:extLst>
+          </p:cNvPr>
+          <p:cNvSpPr txBox="1"/>
+          <p:nvPr/>
+        </p:nvSpPr>
+        <p:spPr>
+          <a:xfrm>
+            <a:off x="1774022" y="5582368"/>
+            <a:ext cx="1381612" cy="493146"/>
+          </a:xfrm>
+          <a:prstGeom prst="rect">
+            <a:avLst/>
+          </a:prstGeom>
+          <a:solidFill>
+            <a:schemeClr val="accent6">
+              <a:lumMod val="40000"/>
+              <a:lumOff val="60000"/>
+            </a:schemeClr>
+          </a:solidFill>
+          <a:ln>
+            <a:solidFill>
+              <a:schemeClr val="tx1"/>
+            </a:solidFill>
+          </a:ln>
+        </p:spPr>
+        <p:txBody>
+          <a:bodyPr wrap="square" rtlCol="0">
+            <a:noAutofit/>
+          </a:bodyPr>
+          <a:lstStyle/>
+          <a:p>
+            <a:r>
+              <a:rPr lang="en-US" altLang="ja-JP" sz="900" dirty="0">
+                <a:latin typeface="Arial" panose="020B0604020202020204" pitchFamily="34" charset="0"/>
+                <a:cs typeface="Arial" panose="020B0604020202020204" pitchFamily="34" charset="0"/>
+              </a:rPr>
+              <a:t>Control law of pitch</a:t>
+            </a:r>
+          </a:p>
+          <a:p>
+            <a:r>
+              <a:rPr lang="en-US" altLang="ja-JP" sz="900" dirty="0">
+                <a:latin typeface="Arial" panose="020B0604020202020204" pitchFamily="34" charset="0"/>
+                <a:cs typeface="Arial" panose="020B0604020202020204" pitchFamily="34" charset="0"/>
+              </a:rPr>
+              <a:t>-. Target: altitude</a:t>
+            </a:r>
+          </a:p>
+          <a:p>
+            <a:r>
+              <a:rPr lang="en-US" altLang="ja-JP" sz="900" dirty="0">
+                <a:latin typeface="Arial" panose="020B0604020202020204" pitchFamily="34" charset="0"/>
+                <a:cs typeface="Arial" panose="020B0604020202020204" pitchFamily="34" charset="0"/>
+              </a:rPr>
+              <a:t>-. Actuated: pitch angle</a:t>
+            </a:r>
+          </a:p>
+        </p:txBody>
+      </p:sp>
+      <p:sp>
+        <p:nvSpPr>
+          <p:cNvPr id="8" name="テキスト ボックス 7">
+            <a:extLst>
+              <a:ext uri="{FF2B5EF4-FFF2-40B4-BE49-F238E27FC236}">
+                <a16:creationId xmlns:a16="http://schemas.microsoft.com/office/drawing/2014/main" id="{CFBE7F69-0677-4978-8373-2B5F8698C23F}"/>
+              </a:ext>
+            </a:extLst>
+          </p:cNvPr>
+          <p:cNvSpPr txBox="1"/>
+          <p:nvPr/>
+        </p:nvSpPr>
+        <p:spPr>
+          <a:xfrm>
+            <a:off x="3714161" y="1851060"/>
+            <a:ext cx="1707966" cy="495219"/>
+          </a:xfrm>
+          <a:prstGeom prst="rect">
+            <a:avLst/>
+          </a:prstGeom>
+          <a:solidFill>
+            <a:schemeClr val="accent6">
+              <a:lumMod val="40000"/>
+              <a:lumOff val="60000"/>
+            </a:schemeClr>
+          </a:solidFill>
+          <a:ln>
+            <a:solidFill>
+              <a:schemeClr val="tx1"/>
+            </a:solidFill>
+          </a:ln>
+        </p:spPr>
+        <p:txBody>
+          <a:bodyPr wrap="square" rtlCol="0">
+            <a:noAutofit/>
+          </a:bodyPr>
+          <a:lstStyle/>
+          <a:p>
+            <a:r>
+              <a:rPr lang="en-US" altLang="ja-JP" sz="900" dirty="0">
+                <a:latin typeface="Arial" panose="020B0604020202020204" pitchFamily="34" charset="0"/>
+                <a:cs typeface="Arial" panose="020B0604020202020204" pitchFamily="34" charset="0"/>
+              </a:rPr>
+              <a:t>Wing: </a:t>
+            </a:r>
+          </a:p>
+          <a:p>
+            <a:r>
+              <a:rPr lang="en-US" altLang="ja-JP" sz="900" dirty="0">
+                <a:latin typeface="Arial" panose="020B0604020202020204" pitchFamily="34" charset="0"/>
+                <a:cs typeface="Arial" panose="020B0604020202020204" pitchFamily="34" charset="0"/>
+              </a:rPr>
+              <a:t> generate lift, and drag (as side effect)</a:t>
+            </a:r>
+          </a:p>
+        </p:txBody>
+      </p:sp>
+      <p:cxnSp>
+        <p:nvCxnSpPr>
+          <p:cNvPr id="5" name="直線矢印コネクタ 4">
+            <a:extLst>
+              <a:ext uri="{FF2B5EF4-FFF2-40B4-BE49-F238E27FC236}">
+                <a16:creationId xmlns:a16="http://schemas.microsoft.com/office/drawing/2014/main" id="{C8C6ACB0-E03B-4FA2-8A04-3CB310BE0226}"/>
+              </a:ext>
+            </a:extLst>
+          </p:cNvPr>
+          <p:cNvCxnSpPr>
+            <a:cxnSpLocks/>
+            <a:stCxn id="8" idx="3"/>
+          </p:cNvCxnSpPr>
+          <p:nvPr/>
+        </p:nvCxnSpPr>
+        <p:spPr>
+          <a:xfrm>
+            <a:off x="5422127" y="2098670"/>
+            <a:ext cx="582747" cy="135483"/>
+          </a:xfrm>
+          <a:prstGeom prst="straightConnector1">
+            <a:avLst/>
+          </a:prstGeom>
+          <a:ln w="19050">
+            <a:solidFill>
+              <a:schemeClr val="accent6"/>
+            </a:solidFill>
+            <a:tailEnd type="oval"/>
+          </a:ln>
+        </p:spPr>
+        <p:style>
+          <a:lnRef idx="1">
+            <a:schemeClr val="accent6"/>
+          </a:lnRef>
+          <a:fillRef idx="0">
+            <a:schemeClr val="accent6"/>
+          </a:fillRef>
+          <a:effectRef idx="0">
+            <a:schemeClr val="accent6"/>
+          </a:effectRef>
+          <a:fontRef idx="minor">
+            <a:schemeClr val="tx1"/>
+          </a:fontRef>
+        </p:style>
+      </p:cxnSp>
+      <p:sp>
+        <p:nvSpPr>
+          <p:cNvPr id="13" name="テキスト ボックス 12">
+            <a:extLst>
+              <a:ext uri="{FF2B5EF4-FFF2-40B4-BE49-F238E27FC236}">
+                <a16:creationId xmlns:a16="http://schemas.microsoft.com/office/drawing/2014/main" id="{E973A9CA-DD16-4338-A872-B713DD7D1FC8}"/>
+              </a:ext>
+            </a:extLst>
+          </p:cNvPr>
+          <p:cNvSpPr txBox="1"/>
+          <p:nvPr/>
+        </p:nvSpPr>
+        <p:spPr>
+          <a:xfrm>
+            <a:off x="7514734" y="881670"/>
+            <a:ext cx="1707966" cy="495219"/>
+          </a:xfrm>
+          <a:prstGeom prst="rect">
+            <a:avLst/>
+          </a:prstGeom>
+          <a:solidFill>
+            <a:schemeClr val="accent6">
+              <a:lumMod val="40000"/>
+              <a:lumOff val="60000"/>
+            </a:schemeClr>
+          </a:solidFill>
+          <a:ln>
+            <a:solidFill>
+              <a:schemeClr val="tx1"/>
+            </a:solidFill>
+          </a:ln>
+        </p:spPr>
+        <p:txBody>
+          <a:bodyPr wrap="square" rtlCol="0">
+            <a:noAutofit/>
+          </a:bodyPr>
+          <a:lstStyle/>
+          <a:p>
+            <a:r>
+              <a:rPr lang="en-US" altLang="ja-JP" sz="900" dirty="0">
+                <a:latin typeface="Arial" panose="020B0604020202020204" pitchFamily="34" charset="0"/>
+                <a:cs typeface="Arial" panose="020B0604020202020204" pitchFamily="34" charset="0"/>
+              </a:rPr>
+              <a:t>Aircraft mass center: </a:t>
+            </a:r>
+          </a:p>
+          <a:p>
+            <a:r>
+              <a:rPr lang="en-US" altLang="ja-JP" sz="900" dirty="0">
+                <a:latin typeface="Arial" panose="020B0604020202020204" pitchFamily="34" charset="0"/>
+                <a:cs typeface="Arial" panose="020B0604020202020204" pitchFamily="34" charset="0"/>
+              </a:rPr>
+              <a:t> flight dynamics is calculated in this component.</a:t>
+            </a:r>
+          </a:p>
+        </p:txBody>
+      </p:sp>
+      <p:cxnSp>
+        <p:nvCxnSpPr>
+          <p:cNvPr id="14" name="直線矢印コネクタ 13">
+            <a:extLst>
+              <a:ext uri="{FF2B5EF4-FFF2-40B4-BE49-F238E27FC236}">
+                <a16:creationId xmlns:a16="http://schemas.microsoft.com/office/drawing/2014/main" id="{88392A05-0008-4D12-A0C0-03BECE64240D}"/>
+              </a:ext>
+            </a:extLst>
+          </p:cNvPr>
+          <p:cNvCxnSpPr>
+            <a:cxnSpLocks/>
+            <a:stCxn id="13" idx="2"/>
+          </p:cNvCxnSpPr>
+          <p:nvPr/>
+        </p:nvCxnSpPr>
+        <p:spPr>
+          <a:xfrm flipH="1">
+            <a:off x="7852528" y="1376889"/>
+            <a:ext cx="516189" cy="909144"/>
+          </a:xfrm>
+          <a:prstGeom prst="straightConnector1">
+            <a:avLst/>
+          </a:prstGeom>
+          <a:ln w="19050">
+            <a:solidFill>
+              <a:schemeClr val="accent6"/>
+            </a:solidFill>
+            <a:tailEnd type="oval"/>
+          </a:ln>
+        </p:spPr>
+        <p:style>
+          <a:lnRef idx="1">
+            <a:schemeClr val="accent6"/>
+          </a:lnRef>
+          <a:fillRef idx="0">
+            <a:schemeClr val="accent6"/>
+          </a:fillRef>
+          <a:effectRef idx="0">
+            <a:schemeClr val="accent6"/>
+          </a:effectRef>
+          <a:fontRef idx="minor">
+            <a:schemeClr val="tx1"/>
+          </a:fontRef>
+        </p:style>
+      </p:cxnSp>
+      <p:sp>
+        <p:nvSpPr>
+          <p:cNvPr id="17" name="テキスト ボックス 16">
+            <a:extLst>
+              <a:ext uri="{FF2B5EF4-FFF2-40B4-BE49-F238E27FC236}">
+                <a16:creationId xmlns:a16="http://schemas.microsoft.com/office/drawing/2014/main" id="{7A33EC71-3534-4C35-9427-92B93A5A28F8}"/>
+              </a:ext>
+            </a:extLst>
+          </p:cNvPr>
+          <p:cNvSpPr txBox="1"/>
+          <p:nvPr/>
+        </p:nvSpPr>
+        <p:spPr>
+          <a:xfrm>
+            <a:off x="8511358" y="2933094"/>
+            <a:ext cx="1058467" cy="398032"/>
+          </a:xfrm>
+          <a:prstGeom prst="rect">
+            <a:avLst/>
+          </a:prstGeom>
+          <a:solidFill>
+            <a:schemeClr val="accent6">
+              <a:lumMod val="40000"/>
+              <a:lumOff val="60000"/>
+            </a:schemeClr>
+          </a:solidFill>
+          <a:ln>
+            <a:solidFill>
+              <a:schemeClr val="tx1"/>
+            </a:solidFill>
+          </a:ln>
+        </p:spPr>
+        <p:txBody>
+          <a:bodyPr wrap="square" rtlCol="0">
+            <a:noAutofit/>
+          </a:bodyPr>
+          <a:lstStyle/>
+          <a:p>
+            <a:r>
+              <a:rPr lang="en-US" altLang="ja-JP" sz="900" dirty="0">
+                <a:latin typeface="Arial" panose="020B0604020202020204" pitchFamily="34" charset="0"/>
+                <a:cs typeface="Arial" panose="020B0604020202020204" pitchFamily="34" charset="0"/>
+              </a:rPr>
+              <a:t>Fuselage: </a:t>
+            </a:r>
+          </a:p>
+          <a:p>
+            <a:r>
+              <a:rPr lang="en-US" altLang="ja-JP" sz="900" dirty="0">
+                <a:latin typeface="Arial" panose="020B0604020202020204" pitchFamily="34" charset="0"/>
+                <a:cs typeface="Arial" panose="020B0604020202020204" pitchFamily="34" charset="0"/>
+              </a:rPr>
+              <a:t> generates drag.</a:t>
+            </a:r>
+          </a:p>
+        </p:txBody>
+      </p:sp>
+      <p:cxnSp>
+        <p:nvCxnSpPr>
+          <p:cNvPr id="18" name="直線矢印コネクタ 17">
+            <a:extLst>
+              <a:ext uri="{FF2B5EF4-FFF2-40B4-BE49-F238E27FC236}">
+                <a16:creationId xmlns:a16="http://schemas.microsoft.com/office/drawing/2014/main" id="{3434F602-5AD9-4EA2-8FAE-C52EB8166BDF}"/>
+              </a:ext>
+            </a:extLst>
+          </p:cNvPr>
+          <p:cNvCxnSpPr>
+            <a:cxnSpLocks/>
+            <a:stCxn id="17" idx="0"/>
+          </p:cNvCxnSpPr>
+          <p:nvPr/>
+        </p:nvCxnSpPr>
+        <p:spPr>
+          <a:xfrm flipH="1" flipV="1">
+            <a:off x="8804635" y="2705493"/>
+            <a:ext cx="235957" cy="227601"/>
+          </a:xfrm>
+          <a:prstGeom prst="straightConnector1">
+            <a:avLst/>
+          </a:prstGeom>
+          <a:ln w="19050">
+            <a:solidFill>
+              <a:schemeClr val="accent6"/>
+            </a:solidFill>
+            <a:tailEnd type="oval"/>
+          </a:ln>
+        </p:spPr>
+        <p:style>
+          <a:lnRef idx="1">
+            <a:schemeClr val="accent6"/>
+          </a:lnRef>
+          <a:fillRef idx="0">
+            <a:schemeClr val="accent6"/>
+          </a:fillRef>
+          <a:effectRef idx="0">
+            <a:schemeClr val="accent6"/>
+          </a:effectRef>
+          <a:fontRef idx="minor">
+            <a:schemeClr val="tx1"/>
+          </a:fontRef>
+        </p:style>
+      </p:cxnSp>
+      <p:sp>
+        <p:nvSpPr>
+          <p:cNvPr id="21" name="テキスト ボックス 20">
+            <a:extLst>
+              <a:ext uri="{FF2B5EF4-FFF2-40B4-BE49-F238E27FC236}">
+                <a16:creationId xmlns:a16="http://schemas.microsoft.com/office/drawing/2014/main" id="{278BC2C5-C07E-430B-BF9D-374529CD35C3}"/>
+              </a:ext>
+            </a:extLst>
+          </p:cNvPr>
+          <p:cNvSpPr txBox="1"/>
+          <p:nvPr/>
+        </p:nvSpPr>
+        <p:spPr>
+          <a:xfrm>
+            <a:off x="2175854" y="667883"/>
+            <a:ext cx="1868246" cy="674225"/>
+          </a:xfrm>
+          <a:prstGeom prst="rect">
+            <a:avLst/>
+          </a:prstGeom>
+          <a:solidFill>
+            <a:schemeClr val="accent6">
+              <a:lumMod val="40000"/>
+              <a:lumOff val="60000"/>
+            </a:schemeClr>
+          </a:solidFill>
+          <a:ln>
+            <a:solidFill>
+              <a:schemeClr val="tx1"/>
+            </a:solidFill>
+          </a:ln>
+        </p:spPr>
+        <p:txBody>
+          <a:bodyPr wrap="square" rtlCol="0">
+            <a:noAutofit/>
+          </a:bodyPr>
+          <a:lstStyle/>
+          <a:p>
+            <a:r>
+              <a:rPr lang="en-US" altLang="ja-JP" sz="900" dirty="0">
+                <a:latin typeface="Arial" panose="020B0604020202020204" pitchFamily="34" charset="0"/>
+                <a:cs typeface="Arial" panose="020B0604020202020204" pitchFamily="34" charset="0"/>
+              </a:rPr>
+              <a:t>Ambient: </a:t>
+            </a:r>
+          </a:p>
+          <a:p>
+            <a:r>
+              <a:rPr lang="en-US" altLang="ja-JP" sz="900" dirty="0">
+                <a:latin typeface="Arial" panose="020B0604020202020204" pitchFamily="34" charset="0"/>
+                <a:cs typeface="Arial" panose="020B0604020202020204" pitchFamily="34" charset="0"/>
+              </a:rPr>
+              <a:t> provides ambient air properties (p, T) for calculation of wing and fuselage</a:t>
+            </a:r>
+          </a:p>
+        </p:txBody>
+      </p:sp>
+      <p:cxnSp>
+        <p:nvCxnSpPr>
+          <p:cNvPr id="22" name="直線矢印コネクタ 21">
+            <a:extLst>
+              <a:ext uri="{FF2B5EF4-FFF2-40B4-BE49-F238E27FC236}">
+                <a16:creationId xmlns:a16="http://schemas.microsoft.com/office/drawing/2014/main" id="{69C31A0E-D940-4A00-8FC9-E041E69FBD10}"/>
+              </a:ext>
+            </a:extLst>
+          </p:cNvPr>
+          <p:cNvCxnSpPr>
+            <a:cxnSpLocks/>
+            <a:stCxn id="21" idx="3"/>
+          </p:cNvCxnSpPr>
+          <p:nvPr/>
+        </p:nvCxnSpPr>
+        <p:spPr>
+          <a:xfrm>
+            <a:off x="4044100" y="1004996"/>
+            <a:ext cx="581468" cy="206608"/>
+          </a:xfrm>
+          <a:prstGeom prst="straightConnector1">
+            <a:avLst/>
+          </a:prstGeom>
+          <a:ln w="19050">
+            <a:solidFill>
+              <a:schemeClr val="accent6"/>
+            </a:solidFill>
+            <a:tailEnd type="oval"/>
+          </a:ln>
+        </p:spPr>
+        <p:style>
+          <a:lnRef idx="1">
+            <a:schemeClr val="accent6"/>
+          </a:lnRef>
+          <a:fillRef idx="0">
+            <a:schemeClr val="accent6"/>
+          </a:fillRef>
+          <a:effectRef idx="0">
+            <a:schemeClr val="accent6"/>
+          </a:effectRef>
+          <a:fontRef idx="minor">
+            <a:schemeClr val="tx1"/>
+          </a:fontRef>
+        </p:style>
+      </p:cxnSp>
     </p:spTree>
   </p:cSld>
   <p:clrMapOvr>

--- a/docs/PtMassFDM/DoF2/Examples/ExampleAircrafts/AGM84_ex02/makeFigs.pptx
+++ b/docs/PtMassFDM/DoF2/Examples/ExampleAircrafts/AGM84_ex02/makeFigs.pptx
@@ -7961,7 +7961,7 @@
         </p:nvSpPr>
         <p:spPr>
           <a:xfrm>
-            <a:off x="1774022" y="5582368"/>
+            <a:off x="1728475" y="5218574"/>
             <a:ext cx="1381612" cy="493146"/>
           </a:xfrm>
           <a:prstGeom prst="rect">
@@ -8129,7 +8129,7 @@
         </p:nvSpPr>
         <p:spPr>
           <a:xfrm>
-            <a:off x="7514734" y="881670"/>
+            <a:off x="8694083" y="1283565"/>
             <a:ext cx="1707966" cy="495219"/>
           </a:xfrm>
           <a:prstGeom prst="rect">
@@ -8183,14 +8183,14 @@
           </p:cNvPr>
           <p:cNvCxnSpPr>
             <a:cxnSpLocks/>
-            <a:stCxn id="13" idx="2"/>
+            <a:stCxn id="13" idx="1"/>
           </p:cNvCxnSpPr>
           <p:nvPr/>
         </p:nvCxnSpPr>
         <p:spPr>
           <a:xfrm flipH="1">
-            <a:off x="7852528" y="1376889"/>
-            <a:ext cx="516189" cy="909144"/>
+            <a:off x="7808181" y="1531175"/>
+            <a:ext cx="885902" cy="815104"/>
           </a:xfrm>
           <a:prstGeom prst="straightConnector1">
             <a:avLst/>
@@ -8395,6 +8395,126 @@
           <a:xfrm>
             <a:off x="4044100" y="1004996"/>
             <a:ext cx="581468" cy="206608"/>
+          </a:xfrm>
+          <a:prstGeom prst="straightConnector1">
+            <a:avLst/>
+          </a:prstGeom>
+          <a:ln w="19050">
+            <a:solidFill>
+              <a:schemeClr val="accent6"/>
+            </a:solidFill>
+            <a:tailEnd type="oval"/>
+          </a:ln>
+        </p:spPr>
+        <p:style>
+          <a:lnRef idx="1">
+            <a:schemeClr val="accent6"/>
+          </a:lnRef>
+          <a:fillRef idx="0">
+            <a:schemeClr val="accent6"/>
+          </a:fillRef>
+          <a:effectRef idx="0">
+            <a:schemeClr val="accent6"/>
+          </a:effectRef>
+          <a:fontRef idx="minor">
+            <a:schemeClr val="tx1"/>
+          </a:fontRef>
+        </p:style>
+      </p:cxnSp>
+      <p:sp>
+        <p:nvSpPr>
+          <p:cNvPr id="19" name="テキスト ボックス 18">
+            <a:extLst>
+              <a:ext uri="{FF2B5EF4-FFF2-40B4-BE49-F238E27FC236}">
+                <a16:creationId xmlns:a16="http://schemas.microsoft.com/office/drawing/2014/main" id="{F32BF0D4-A1EB-4DF9-83EC-CCE3E2A2EEE4}"/>
+              </a:ext>
+            </a:extLst>
+          </p:cNvPr>
+          <p:cNvSpPr txBox="1"/>
+          <p:nvPr/>
+        </p:nvSpPr>
+        <p:spPr>
+          <a:xfrm>
+            <a:off x="5939624" y="613081"/>
+            <a:ext cx="2178136" cy="495219"/>
+          </a:xfrm>
+          <a:prstGeom prst="rect">
+            <a:avLst/>
+          </a:prstGeom>
+          <a:solidFill>
+            <a:schemeClr val="accent6">
+              <a:lumMod val="40000"/>
+              <a:lumOff val="60000"/>
+            </a:schemeClr>
+          </a:solidFill>
+          <a:ln>
+            <a:solidFill>
+              <a:schemeClr val="tx1"/>
+            </a:solidFill>
+          </a:ln>
+        </p:spPr>
+        <p:txBody>
+          <a:bodyPr wrap="square" rtlCol="0">
+            <a:noAutofit/>
+          </a:bodyPr>
+          <a:lstStyle/>
+          <a:p>
+            <a:r>
+              <a:rPr lang="en-US" altLang="ja-JP" sz="900" dirty="0">
+                <a:latin typeface="Arial" panose="020B0604020202020204" pitchFamily="34" charset="0"/>
+                <a:cs typeface="Arial" panose="020B0604020202020204" pitchFamily="34" charset="0"/>
+              </a:rPr>
+              <a:t>Multiply force along z-axis of body by </a:t>
+            </a:r>
+            <a:r>
+              <a:rPr lang="en-US" altLang="ja-JP" sz="900" u="sng" dirty="0">
+                <a:latin typeface="Arial" panose="020B0604020202020204" pitchFamily="34" charset="0"/>
+                <a:cs typeface="Arial" panose="020B0604020202020204" pitchFamily="34" charset="0"/>
+              </a:rPr>
+              <a:t>cos(45 deg)</a:t>
+            </a:r>
+            <a:r>
+              <a:rPr lang="en-US" altLang="ja-JP" sz="900" dirty="0">
+                <a:latin typeface="Arial" panose="020B0604020202020204" pitchFamily="34" charset="0"/>
+                <a:cs typeface="Arial" panose="020B0604020202020204" pitchFamily="34" charset="0"/>
+              </a:rPr>
+              <a:t>  to take </a:t>
+            </a:r>
+            <a:r>
+              <a:rPr lang="en-US" altLang="ja-JP" sz="900" u="sng" dirty="0">
+                <a:latin typeface="Arial" panose="020B0604020202020204" pitchFamily="34" charset="0"/>
+                <a:cs typeface="Arial" panose="020B0604020202020204" pitchFamily="34" charset="0"/>
+              </a:rPr>
+              <a:t>mount angle of wings</a:t>
+            </a:r>
+            <a:r>
+              <a:rPr lang="en-US" altLang="ja-JP" sz="900" dirty="0">
+                <a:latin typeface="Arial" panose="020B0604020202020204" pitchFamily="34" charset="0"/>
+                <a:cs typeface="Arial" panose="020B0604020202020204" pitchFamily="34" charset="0"/>
+              </a:rPr>
+              <a:t> into account.</a:t>
+            </a:r>
+          </a:p>
+        </p:txBody>
+      </p:sp>
+      <p:cxnSp>
+        <p:nvCxnSpPr>
+          <p:cNvPr id="20" name="直線矢印コネクタ 19">
+            <a:extLst>
+              <a:ext uri="{FF2B5EF4-FFF2-40B4-BE49-F238E27FC236}">
+                <a16:creationId xmlns:a16="http://schemas.microsoft.com/office/drawing/2014/main" id="{79DA2362-B8BB-4DBA-BCDD-3C32A81EEAA6}"/>
+              </a:ext>
+            </a:extLst>
+          </p:cNvPr>
+          <p:cNvCxnSpPr>
+            <a:cxnSpLocks/>
+          </p:cNvCxnSpPr>
+          <p:nvPr/>
+        </p:nvCxnSpPr>
+        <p:spPr>
+          <a:xfrm flipH="1">
+            <a:off x="6806317" y="1108300"/>
+            <a:ext cx="388611" cy="362691"/>
           </a:xfrm>
           <a:prstGeom prst="straightConnector1">
             <a:avLst/>
